--- a/class 10/lab 11 (DSA)/2. Presentation/DSA_14.pptx
+++ b/class 10/lab 11 (DSA)/2. Presentation/DSA_14.pptx
@@ -7,12 +7,11 @@
   <p:sldIdLst>
     <p:sldId id="256" r:id="rId3"/>
     <p:sldId id="257" r:id="rId4"/>
-    <p:sldId id="283" r:id="rId5"/>
-    <p:sldId id="284" r:id="rId6"/>
-    <p:sldId id="285" r:id="rId7"/>
-    <p:sldId id="286" r:id="rId8"/>
-    <p:sldId id="287" r:id="rId9"/>
-    <p:sldId id="265" r:id="rId10"/>
+    <p:sldId id="289" r:id="rId5"/>
+    <p:sldId id="290" r:id="rId6"/>
+    <p:sldId id="291" r:id="rId7"/>
+    <p:sldId id="292" r:id="rId8"/>
+    <p:sldId id="265" r:id="rId9"/>
   </p:sldIdLst>
   <p:sldSz cx="12192000" cy="6858000"/>
   <p:notesSz cx="7103745" cy="10234295"/>
@@ -2892,26 +2891,9 @@
                 <a:latin typeface="Purisa" panose="02000603000000000000" charset="0"/>
                 <a:cs typeface="Purisa" panose="02000603000000000000" charset="0"/>
               </a:rPr>
-              <a:t>  lab </a:t>
-            </a:r>
-            <a:r>
-              <a:rPr lang="" altLang="en-US" sz="4400" b="1">
-                <a:solidFill>
-                  <a:schemeClr val="tx1"/>
-                </a:solidFill>
-                <a:effectLst>
-                  <a:outerShdw blurRad="38100" dist="19050" dir="2700000" algn="tl" rotWithShape="0">
-                    <a:schemeClr val="dk1">
-                      <a:alpha val="40000"/>
-                    </a:schemeClr>
-                  </a:outerShdw>
-                </a:effectLst>
-                <a:latin typeface="Purisa" panose="02000603000000000000" charset="0"/>
-                <a:cs typeface="Purisa" panose="02000603000000000000" charset="0"/>
-              </a:rPr>
-              <a:t>11</a:t>
-            </a:r>
-            <a:endParaRPr lang="" altLang="en-US" sz="4400" b="1">
+              <a:t>  lab 11</a:t>
+            </a:r>
+            <a:endParaRPr lang="en-US" altLang="en-US" sz="4400" b="1">
               <a:solidFill>
                 <a:schemeClr val="tx1"/>
               </a:solidFill>
@@ -3125,8 +3107,8 @@
         </p:nvSpPr>
         <p:spPr>
           <a:xfrm>
-            <a:off x="3293745" y="535940"/>
-            <a:ext cx="3246755" cy="922020"/>
+            <a:off x="897255" y="674370"/>
+            <a:ext cx="8524240" cy="922020"/>
           </a:xfrm>
           <a:prstGeom prst="rect">
             <a:avLst/>
@@ -3144,7 +3126,7 @@
                 <a:latin typeface="Dingbats" charset="0"/>
                 <a:cs typeface="Dingbats" charset="0"/>
               </a:rPr>
-              <a:t> Sorting</a:t>
+              <a:t>Merge Sort Algorithm</a:t>
             </a:r>
             <a:endParaRPr lang="en-US" altLang="en-US" sz="5400" b="1">
               <a:latin typeface="Dingbats" charset="0"/>
@@ -3161,8 +3143,8 @@
         </p:nvSpPr>
         <p:spPr>
           <a:xfrm>
-            <a:off x="1052195" y="4483735"/>
-            <a:ext cx="11653520" cy="521970"/>
+            <a:off x="252730" y="2156460"/>
+            <a:ext cx="6217920" cy="1383665"/>
           </a:xfrm>
           <a:prstGeom prst="rect">
             <a:avLst/>
@@ -3183,7 +3165,7 @@
                   </a:schemeClr>
                 </a:solidFill>
               </a:rPr>
-              <a:t>Sorting refers to arranging data in a particular format</a:t>
+              <a:t>Merge sort is a sorting technique based on divide and conquer technique.</a:t>
             </a:r>
             <a:endParaRPr lang="en-US" sz="2800">
               <a:solidFill>
@@ -3197,7 +3179,7 @@
       </p:sp>
       <p:pic>
         <p:nvPicPr>
-          <p:cNvPr id="4" name="Picture 1" descr="IMG_256"/>
+          <p:cNvPr id="7" name="Picture 1" descr="IMG_256"/>
           <p:cNvPicPr>
             <a:picLocks noChangeAspect="1"/>
           </p:cNvPicPr>
@@ -3207,27 +3189,26 @@
           <a:blip r:embed="rId4">
             <a:clrChange>
               <a:clrFrom>
-                <a:srgbClr val="F7F7F7">
+                <a:srgbClr val="FFFFFF">
                   <a:alpha val="100000"/>
                 </a:srgbClr>
               </a:clrFrom>
               <a:clrTo>
-                <a:srgbClr val="F7F7F7">
+                <a:srgbClr val="FFFFFF">
                   <a:alpha val="100000"/>
                   <a:alpha val="0"/>
                 </a:srgbClr>
               </a:clrTo>
             </a:clrChange>
           </a:blip>
-          <a:srcRect t="44936"/>
           <a:stretch>
             <a:fillRect/>
           </a:stretch>
         </p:blipFill>
         <p:spPr>
           <a:xfrm>
-            <a:off x="2410460" y="1925320"/>
-            <a:ext cx="8260715" cy="2558415"/>
+            <a:off x="6454140" y="2156460"/>
+            <a:ext cx="5661025" cy="3538220"/>
           </a:xfrm>
           <a:prstGeom prst="rect">
             <a:avLst/>
@@ -3411,8 +3392,8 @@
         </p:nvSpPr>
         <p:spPr>
           <a:xfrm>
-            <a:off x="1758950" y="657860"/>
-            <a:ext cx="6339205" cy="922020"/>
+            <a:off x="2807970" y="449580"/>
+            <a:ext cx="4014470" cy="922020"/>
           </a:xfrm>
           <a:prstGeom prst="rect">
             <a:avLst/>
@@ -3431,7 +3412,7 @@
                 <a:cs typeface="Dingbats" charset="0"/>
                 <a:sym typeface="+mn-ea"/>
               </a:rPr>
-              <a:t>In-place Sorting</a:t>
+              <a:t>Algorithm</a:t>
             </a:r>
             <a:endParaRPr lang="en-US" altLang="en-US" sz="5400" b="1">
               <a:latin typeface="Dingbats" charset="0"/>
@@ -3442,14 +3423,14 @@
       </p:sp>
       <p:sp>
         <p:nvSpPr>
-          <p:cNvPr id="10" name="Text Box 9"/>
+          <p:cNvPr id="4" name="Text Box 3"/>
           <p:cNvSpPr txBox="1"/>
           <p:nvPr/>
         </p:nvSpPr>
         <p:spPr>
           <a:xfrm>
-            <a:off x="676910" y="2841625"/>
-            <a:ext cx="4799330" cy="953135"/>
+            <a:off x="2205355" y="2690495"/>
+            <a:ext cx="6773545" cy="3107690"/>
           </a:xfrm>
           <a:prstGeom prst="rect">
             <a:avLst/>
@@ -3461,69 +3442,76 @@
             <a:spAutoFit/>
           </a:bodyPr>
           <a:p>
-            <a:pPr algn="l"/>
             <a:r>
               <a:rPr lang="en-US" sz="2800">
+                <a:ln/>
                 <a:solidFill>
-                  <a:schemeClr val="bg2">
-                    <a:lumMod val="10000"/>
-                  </a:schemeClr>
+                  <a:schemeClr val="accent1"/>
                 </a:solidFill>
+                <a:effectLst>
+                  <a:outerShdw blurRad="38100" dist="25400" dir="5400000" algn="ctr" rotWithShape="0">
+                    <a:srgbClr val="6E747A">
+                      <a:alpha val="43000"/>
+                    </a:srgbClr>
+                  </a:outerShdw>
+                </a:effectLst>
               </a:rPr>
-              <a:t>do not require any extra space</a:t>
-            </a:r>
-            <a:endParaRPr lang="en-US" sz="2800">
-              <a:solidFill>
-                <a:schemeClr val="bg2">
-                  <a:lumMod val="10000"/>
-                </a:schemeClr>
-              </a:solidFill>
-            </a:endParaRPr>
-          </a:p>
-        </p:txBody>
-      </p:sp>
-      <p:pic>
-        <p:nvPicPr>
-          <p:cNvPr id="7" name="Picture 4" descr="IMG_256"/>
-          <p:cNvPicPr>
-            <a:picLocks noChangeAspect="1"/>
-          </p:cNvPicPr>
-          <p:nvPr/>
-        </p:nvPicPr>
-        <p:blipFill>
-          <a:blip r:embed="rId4">
-            <a:clrChange>
-              <a:clrFrom>
-                <a:srgbClr val="F0F0F0">
-                  <a:alpha val="100000"/>
-                </a:srgbClr>
-              </a:clrFrom>
-              <a:clrTo>
-                <a:srgbClr val="F0F0F0">
-                  <a:alpha val="100000"/>
-                  <a:alpha val="0"/>
-                </a:srgbClr>
-              </a:clrTo>
-            </a:clrChange>
-          </a:blip>
-          <a:stretch>
-            <a:fillRect/>
-          </a:stretch>
-        </p:blipFill>
-        <p:spPr>
-          <a:xfrm>
-            <a:off x="5476240" y="2278380"/>
-            <a:ext cx="5462270" cy="3475355"/>
-          </a:xfrm>
-          <a:prstGeom prst="rect">
-            <a:avLst/>
-          </a:prstGeom>
-          <a:noFill/>
-          <a:ln w="9525">
-            <a:noFill/>
-          </a:ln>
-        </p:spPr>
-      </p:pic>
+              <a:t>Step 1 </a:t>
+            </a:r>
+            <a:r>
+              <a:rPr lang="en-US" sz="2800"/>
+              <a:t>− if it is only one element in the list it is already sorted, return.</a:t>
+            </a:r>
+            <a:endParaRPr lang="en-US" sz="2800"/>
+          </a:p>
+          <a:p>
+            <a:r>
+              <a:rPr lang="en-US" sz="2800">
+                <a:ln/>
+                <a:solidFill>
+                  <a:schemeClr val="accent1"/>
+                </a:solidFill>
+                <a:effectLst>
+                  <a:outerShdw blurRad="38100" dist="25400" dir="5400000" algn="ctr" rotWithShape="0">
+                    <a:srgbClr val="6E747A">
+                      <a:alpha val="43000"/>
+                    </a:srgbClr>
+                  </a:outerShdw>
+                </a:effectLst>
+              </a:rPr>
+              <a:t>Step 2</a:t>
+            </a:r>
+            <a:r>
+              <a:rPr lang="en-US" sz="2800"/>
+              <a:t> − divide the list recursively into two halves until it can no more be divided.</a:t>
+            </a:r>
+            <a:endParaRPr lang="en-US" sz="2800"/>
+          </a:p>
+          <a:p>
+            <a:r>
+              <a:rPr lang="en-US" sz="2800">
+                <a:ln/>
+                <a:solidFill>
+                  <a:schemeClr val="accent1"/>
+                </a:solidFill>
+                <a:effectLst>
+                  <a:outerShdw blurRad="38100" dist="25400" dir="5400000" algn="ctr" rotWithShape="0">
+                    <a:srgbClr val="6E747A">
+                      <a:alpha val="43000"/>
+                    </a:srgbClr>
+                  </a:outerShdw>
+                </a:effectLst>
+              </a:rPr>
+              <a:t>Step 3</a:t>
+            </a:r>
+            <a:r>
+              <a:rPr lang="en-US" sz="2800"/>
+              <a:t> − merge the smaller lists into new list in sorted order.</a:t>
+            </a:r>
+            <a:endParaRPr lang="en-US" sz="2800"/>
+          </a:p>
+        </p:txBody>
+      </p:sp>
     </p:spTree>
   </p:cSld>
   <p:clrMapOvr>
@@ -3697,8 +3685,8 @@
         </p:nvSpPr>
         <p:spPr>
           <a:xfrm>
-            <a:off x="1758950" y="657860"/>
-            <a:ext cx="7980680" cy="922020"/>
+            <a:off x="2807970" y="535940"/>
+            <a:ext cx="4092575" cy="922020"/>
           </a:xfrm>
           <a:prstGeom prst="rect">
             <a:avLst/>
@@ -3715,77 +3703,13 @@
               <a:rPr lang="en-US" altLang="en-US" sz="5400" b="1">
                 <a:latin typeface="Dingbats" charset="0"/>
                 <a:cs typeface="Dingbats" charset="0"/>
+                <a:sym typeface="+mn-ea"/>
               </a:rPr>
-              <a:t>Not-in-place Sorting</a:t>
+              <a:t>Example 1</a:t>
             </a:r>
             <a:endParaRPr lang="en-US" altLang="en-US" sz="5400" b="1">
               <a:latin typeface="Dingbats" charset="0"/>
               <a:cs typeface="Dingbats" charset="0"/>
-            </a:endParaRPr>
-          </a:p>
-        </p:txBody>
-      </p:sp>
-      <p:sp>
-        <p:nvSpPr>
-          <p:cNvPr id="10" name="Text Box 9"/>
-          <p:cNvSpPr txBox="1"/>
-          <p:nvPr/>
-        </p:nvSpPr>
-        <p:spPr>
-          <a:xfrm>
-            <a:off x="337820" y="2573655"/>
-            <a:ext cx="4050665" cy="1198880"/>
-          </a:xfrm>
-          <a:prstGeom prst="rect">
-            <a:avLst/>
-          </a:prstGeom>
-          <a:noFill/>
-        </p:spPr>
-        <p:txBody>
-          <a:bodyPr wrap="square" rtlCol="0">
-            <a:spAutoFit/>
-          </a:bodyPr>
-          <a:p>
-            <a:pPr algn="l"/>
-            <a:r>
-              <a:rPr lang="en-US" sz="3600">
-                <a:solidFill>
-                  <a:schemeClr val="bg2">
-                    <a:lumMod val="10000"/>
-                  </a:schemeClr>
-                </a:solidFill>
-                <a:sym typeface="+mn-ea"/>
-              </a:rPr>
-              <a:t>extra space </a:t>
-            </a:r>
-            <a:r>
-              <a:rPr lang="en-US" sz="3600">
-                <a:solidFill>
-                  <a:schemeClr val="bg2">
-                    <a:lumMod val="10000"/>
-                  </a:schemeClr>
-                </a:solidFill>
-                <a:sym typeface="+mn-ea"/>
-              </a:rPr>
-              <a:t>require</a:t>
-            </a:r>
-            <a:r>
-              <a:rPr lang="" altLang="en-US" sz="3600">
-                <a:solidFill>
-                  <a:schemeClr val="bg2">
-                    <a:lumMod val="10000"/>
-                  </a:schemeClr>
-                </a:solidFill>
-                <a:sym typeface="+mn-ea"/>
-              </a:rPr>
-              <a:t>d</a:t>
-            </a:r>
-            <a:endParaRPr lang="" altLang="en-US" sz="3600">
-              <a:solidFill>
-                <a:schemeClr val="bg2">
-                  <a:lumMod val="10000"/>
-                </a:schemeClr>
-              </a:solidFill>
               <a:sym typeface="+mn-ea"/>
             </a:endParaRPr>
           </a:p>
@@ -3793,7 +3717,7 @@
       </p:sp>
       <p:pic>
         <p:nvPicPr>
-          <p:cNvPr id="8" name="Picture 5" descr="IMG_256"/>
+          <p:cNvPr id="13" name="Picture 9" descr="IMG_256"/>
           <p:cNvPicPr>
             <a:picLocks noChangeAspect="1"/>
           </p:cNvPicPr>
@@ -3814,16 +3738,17 @@
                 </a:srgbClr>
               </a:clrTo>
             </a:clrChange>
-            <a:lum bright="-6000"/>
+            <a:lum bright="18000"/>
           </a:blip>
+          <a:srcRect b="5388"/>
           <a:stretch>
             <a:fillRect/>
           </a:stretch>
         </p:blipFill>
         <p:spPr>
           <a:xfrm>
-            <a:off x="4388485" y="1417955"/>
-            <a:ext cx="6661785" cy="4710430"/>
+            <a:off x="2807970" y="1371600"/>
+            <a:ext cx="6741160" cy="4571365"/>
           </a:xfrm>
           <a:prstGeom prst="rect">
             <a:avLst/>
@@ -4007,8 +3932,8 @@
         </p:nvSpPr>
         <p:spPr>
           <a:xfrm>
-            <a:off x="1758950" y="657860"/>
-            <a:ext cx="5721985" cy="922020"/>
+            <a:off x="2825115" y="603885"/>
+            <a:ext cx="4092575" cy="922020"/>
           </a:xfrm>
           <a:prstGeom prst="rect">
             <a:avLst/>
@@ -4025,26 +3950,29 @@
               <a:rPr lang="en-US" altLang="en-US" sz="5400" b="1">
                 <a:latin typeface="Dingbats" charset="0"/>
                 <a:cs typeface="Dingbats" charset="0"/>
+                <a:sym typeface="+mn-ea"/>
               </a:rPr>
-              <a:t>Stable </a:t>
+              <a:t>Example </a:t>
             </a:r>
             <a:r>
               <a:rPr lang="" altLang="en-US" sz="5400" b="1">
                 <a:latin typeface="Dingbats" charset="0"/>
                 <a:cs typeface="Dingbats" charset="0"/>
+                <a:sym typeface="+mn-ea"/>
               </a:rPr>
-              <a:t>Sorting</a:t>
-            </a:r>
-            <a:endParaRPr lang="" altLang="en-US" sz="5400" b="1">
+              <a:t>2</a:t>
+            </a:r>
+            <a:endParaRPr lang="en-US" altLang="en-US" sz="5400" b="1">
               <a:latin typeface="Dingbats" charset="0"/>
               <a:cs typeface="Dingbats" charset="0"/>
+              <a:sym typeface="+mn-ea"/>
             </a:endParaRPr>
           </a:p>
         </p:txBody>
       </p:sp>
       <p:pic>
         <p:nvPicPr>
-          <p:cNvPr id="9" name="Picture 6" descr="IMG_256"/>
+          <p:cNvPr id="14" name="Picture 10" descr="IMG_256"/>
           <p:cNvPicPr>
             <a:picLocks noChangeAspect="1"/>
           </p:cNvPicPr>
@@ -4065,6 +3993,7 @@
                 </a:srgbClr>
               </a:clrTo>
             </a:clrChange>
+            <a:lum bright="-6000"/>
           </a:blip>
           <a:stretch>
             <a:fillRect/>
@@ -4072,8 +4001,8 @@
         </p:blipFill>
         <p:spPr>
           <a:xfrm>
-            <a:off x="1977390" y="1716405"/>
-            <a:ext cx="7287895" cy="3425825"/>
+            <a:off x="2619375" y="1529715"/>
+            <a:ext cx="5772785" cy="4993005"/>
           </a:xfrm>
           <a:prstGeom prst="rect">
             <a:avLst/>
@@ -4257,8 +4186,8 @@
         </p:nvSpPr>
         <p:spPr>
           <a:xfrm>
-            <a:off x="1758950" y="657860"/>
-            <a:ext cx="7473950" cy="922020"/>
+            <a:off x="2825115" y="603885"/>
+            <a:ext cx="4092575" cy="922020"/>
           </a:xfrm>
           <a:prstGeom prst="rect">
             <a:avLst/>
@@ -4271,32 +4200,25 @@
           </a:bodyPr>
           <a:p>
             <a:pPr algn="l"/>
-            <a:r>
-              <a:rPr lang="" altLang="en-US" sz="5400" b="1">
-                <a:latin typeface="Dingbats" charset="0"/>
-                <a:cs typeface="Dingbats" charset="0"/>
-                <a:sym typeface="+mn-ea"/>
-              </a:rPr>
-              <a:t>Non S</a:t>
-            </a:r>
             <a:r>
               <a:rPr lang="en-US" altLang="en-US" sz="5400" b="1">
                 <a:latin typeface="Dingbats" charset="0"/>
                 <a:cs typeface="Dingbats" charset="0"/>
                 <a:sym typeface="+mn-ea"/>
               </a:rPr>
-              <a:t>table Sorting</a:t>
+              <a:t>Example 2</a:t>
             </a:r>
             <a:endParaRPr lang="en-US" altLang="en-US" sz="5400" b="1">
               <a:latin typeface="Dingbats" charset="0"/>
               <a:cs typeface="Dingbats" charset="0"/>
+              <a:sym typeface="+mn-ea"/>
             </a:endParaRPr>
           </a:p>
         </p:txBody>
       </p:sp>
       <p:pic>
         <p:nvPicPr>
-          <p:cNvPr id="7" name="Picture 7" descr="IMG_256"/>
+          <p:cNvPr id="14" name="Picture 10" descr="IMG_256"/>
           <p:cNvPicPr>
             <a:picLocks noChangeAspect="1"/>
           </p:cNvPicPr>
@@ -4317,6 +4239,7 @@
                 </a:srgbClr>
               </a:clrTo>
             </a:clrChange>
+            <a:lum bright="-6000"/>
           </a:blip>
           <a:stretch>
             <a:fillRect/>
@@ -4324,8 +4247,8 @@
         </p:blipFill>
         <p:spPr>
           <a:xfrm>
-            <a:off x="2405380" y="1546860"/>
-            <a:ext cx="7275195" cy="3710305"/>
+            <a:off x="2619375" y="1529715"/>
+            <a:ext cx="5772785" cy="4993005"/>
           </a:xfrm>
           <a:prstGeom prst="rect">
             <a:avLst/>
@@ -4345,250 +4268,6 @@
 </file>
 
 <file path=ppt/slides/slide7.xml><?xml version="1.0" encoding="utf-8"?>
-<p:sld xmlns:a="http://schemas.openxmlformats.org/drawingml/2006/main" xmlns:r="http://schemas.openxmlformats.org/officeDocument/2006/relationships" xmlns:p="http://schemas.openxmlformats.org/presentationml/2006/main">
-  <p:cSld>
-    <p:spTree>
-      <p:nvGrpSpPr>
-        <p:cNvPr id="1" name=""/>
-        <p:cNvGrpSpPr/>
-        <p:nvPr/>
-      </p:nvGrpSpPr>
-      <p:grpSpPr/>
-      <p:pic>
-        <p:nvPicPr>
-          <p:cNvPr id="5" name="Picture 4" descr="United TrusT Logo"/>
-          <p:cNvPicPr>
-            <a:picLocks noChangeAspect="1"/>
-          </p:cNvPicPr>
-          <p:nvPr/>
-        </p:nvPicPr>
-        <p:blipFill>
-          <a:blip r:embed="rId1"/>
-          <a:stretch>
-            <a:fillRect/>
-          </a:stretch>
-        </p:blipFill>
-        <p:spPr>
-          <a:xfrm>
-            <a:off x="108585" y="6128385"/>
-            <a:ext cx="1650365" cy="634365"/>
-          </a:xfrm>
-          <a:prstGeom prst="rect">
-            <a:avLst/>
-          </a:prstGeom>
-        </p:spPr>
-      </p:pic>
-      <p:pic>
-        <p:nvPicPr>
-          <p:cNvPr id="6" name="Picture 5" descr="bdedu_logo"/>
-          <p:cNvPicPr>
-            <a:picLocks noChangeAspect="1"/>
-          </p:cNvPicPr>
-          <p:nvPr/>
-        </p:nvPicPr>
-        <p:blipFill>
-          <a:blip r:embed="rId2"/>
-          <a:stretch>
-            <a:fillRect/>
-          </a:stretch>
-        </p:blipFill>
-        <p:spPr>
-          <a:xfrm>
-            <a:off x="9421495" y="6061710"/>
-            <a:ext cx="2693670" cy="701040"/>
-          </a:xfrm>
-          <a:prstGeom prst="rect">
-            <a:avLst/>
-          </a:prstGeom>
-        </p:spPr>
-      </p:pic>
-      <p:sp>
-        <p:nvSpPr>
-          <p:cNvPr id="2" name="Freeform 1"/>
-          <p:cNvSpPr/>
-          <p:nvPr/>
-        </p:nvSpPr>
-        <p:spPr>
-          <a:xfrm>
-            <a:off x="108585" y="363855"/>
-            <a:ext cx="10438130" cy="1094105"/>
-          </a:xfrm>
-          <a:custGeom>
-            <a:avLst/>
-            <a:gdLst>
-              <a:gd name="connsiteX0" fmla="*/ 0 w 16438"/>
-              <a:gd name="connsiteY0" fmla="*/ 0 h 1723"/>
-              <a:gd name="connsiteX1" fmla="*/ 15254 w 16438"/>
-              <a:gd name="connsiteY1" fmla="*/ 27 h 1723"/>
-              <a:gd name="connsiteX2" fmla="*/ 16438 w 16438"/>
-              <a:gd name="connsiteY2" fmla="*/ 1723 h 1723"/>
-              <a:gd name="connsiteX3" fmla="*/ 0 w 16438"/>
-              <a:gd name="connsiteY3" fmla="*/ 1723 h 1723"/>
-              <a:gd name="connsiteX4" fmla="*/ 0 w 16438"/>
-              <a:gd name="connsiteY4" fmla="*/ 0 h 1723"/>
-            </a:gdLst>
-            <a:ahLst/>
-            <a:cxnLst>
-              <a:cxn ang="0">
-                <a:pos x="connsiteX0" y="connsiteY0"/>
-              </a:cxn>
-              <a:cxn ang="0">
-                <a:pos x="connsiteX1" y="connsiteY1"/>
-              </a:cxn>
-              <a:cxn ang="0">
-                <a:pos x="connsiteX2" y="connsiteY2"/>
-              </a:cxn>
-              <a:cxn ang="0">
-                <a:pos x="connsiteX3" y="connsiteY3"/>
-              </a:cxn>
-              <a:cxn ang="0">
-                <a:pos x="connsiteX4" y="connsiteY4"/>
-              </a:cxn>
-            </a:cxnLst>
-            <a:rect l="l" t="t" r="r" b="b"/>
-            <a:pathLst>
-              <a:path w="16438" h="1723">
-                <a:moveTo>
-                  <a:pt x="0" y="0"/>
-                </a:moveTo>
-                <a:lnTo>
-                  <a:pt x="15254" y="27"/>
-                </a:lnTo>
-                <a:lnTo>
-                  <a:pt x="16438" y="1723"/>
-                </a:lnTo>
-                <a:lnTo>
-                  <a:pt x="0" y="1723"/>
-                </a:lnTo>
-                <a:lnTo>
-                  <a:pt x="0" y="0"/>
-                </a:lnTo>
-                <a:close/>
-              </a:path>
-            </a:pathLst>
-          </a:custGeom>
-          <a:blipFill rotWithShape="1">
-            <a:blip r:embed="rId3"/>
-            <a:tile tx="0" ty="0" sx="100000" sy="100000" flip="none" algn="tl"/>
-          </a:blipFill>
-          <a:ln>
-            <a:solidFill>
-              <a:schemeClr val="bg1"/>
-            </a:solidFill>
-          </a:ln>
-        </p:spPr>
-        <p:style>
-          <a:lnRef idx="2">
-            <a:schemeClr val="accent1">
-              <a:shade val="50000"/>
-            </a:schemeClr>
-          </a:lnRef>
-          <a:fillRef idx="1">
-            <a:schemeClr val="accent1"/>
-          </a:fillRef>
-          <a:effectRef idx="0">
-            <a:schemeClr val="accent1"/>
-          </a:effectRef>
-          <a:fontRef idx="minor">
-            <a:schemeClr val="lt1"/>
-          </a:fontRef>
-        </p:style>
-        <p:txBody>
-          <a:bodyPr rtlCol="0" anchor="ctr"/>
-          <a:p>
-            <a:pPr algn="ctr"/>
-            <a:endParaRPr lang="en-US"/>
-          </a:p>
-        </p:txBody>
-      </p:sp>
-      <p:sp>
-        <p:nvSpPr>
-          <p:cNvPr id="3" name="Text Box 2"/>
-          <p:cNvSpPr txBox="1"/>
-          <p:nvPr/>
-        </p:nvSpPr>
-        <p:spPr>
-          <a:xfrm>
-            <a:off x="1758950" y="657860"/>
-            <a:ext cx="7473950" cy="922020"/>
-          </a:xfrm>
-          <a:prstGeom prst="rect">
-            <a:avLst/>
-          </a:prstGeom>
-          <a:noFill/>
-        </p:spPr>
-        <p:txBody>
-          <a:bodyPr wrap="none" rtlCol="0">
-            <a:spAutoFit/>
-          </a:bodyPr>
-          <a:p>
-            <a:pPr algn="l"/>
-            <a:r>
-              <a:rPr lang="en-US" altLang="en-US" sz="5400" b="1">
-                <a:latin typeface="Dingbats" charset="0"/>
-                <a:cs typeface="Dingbats" charset="0"/>
-                <a:sym typeface="+mn-ea"/>
-              </a:rPr>
-              <a:t>Non Stable Sorting</a:t>
-            </a:r>
-            <a:endParaRPr lang="en-US" altLang="en-US" sz="5400" b="1">
-              <a:latin typeface="Dingbats" charset="0"/>
-              <a:cs typeface="Dingbats" charset="0"/>
-            </a:endParaRPr>
-          </a:p>
-        </p:txBody>
-      </p:sp>
-      <p:pic>
-        <p:nvPicPr>
-          <p:cNvPr id="7" name="Picture 7" descr="IMG_256"/>
-          <p:cNvPicPr>
-            <a:picLocks noChangeAspect="1"/>
-          </p:cNvPicPr>
-          <p:nvPr/>
-        </p:nvPicPr>
-        <p:blipFill>
-          <a:blip r:embed="rId4">
-            <a:clrChange>
-              <a:clrFrom>
-                <a:srgbClr val="FFFFFF">
-                  <a:alpha val="100000"/>
-                </a:srgbClr>
-              </a:clrFrom>
-              <a:clrTo>
-                <a:srgbClr val="FFFFFF">
-                  <a:alpha val="100000"/>
-                  <a:alpha val="0"/>
-                </a:srgbClr>
-              </a:clrTo>
-            </a:clrChange>
-          </a:blip>
-          <a:stretch>
-            <a:fillRect/>
-          </a:stretch>
-        </p:blipFill>
-        <p:spPr>
-          <a:xfrm>
-            <a:off x="2405380" y="1546860"/>
-            <a:ext cx="7275195" cy="3710305"/>
-          </a:xfrm>
-          <a:prstGeom prst="rect">
-            <a:avLst/>
-          </a:prstGeom>
-          <a:noFill/>
-          <a:ln w="9525">
-            <a:noFill/>
-          </a:ln>
-        </p:spPr>
-      </p:pic>
-    </p:spTree>
-  </p:cSld>
-  <p:clrMapOvr>
-    <a:masterClrMapping/>
-  </p:clrMapOvr>
-</p:sld>
-</file>
-
-<file path=ppt/slides/slide8.xml><?xml version="1.0" encoding="utf-8"?>
 <p:sld xmlns:a="http://schemas.openxmlformats.org/drawingml/2006/main" xmlns:r="http://schemas.openxmlformats.org/officeDocument/2006/relationships" xmlns:p="http://schemas.openxmlformats.org/presentationml/2006/main">
   <p:cSld>
     <p:spTree>
